--- a/Project_1_Meenakshi_Sarah_Eric.pptx
+++ b/Project_1_Meenakshi_Sarah_Eric.pptx
@@ -16577,7 +16577,7 @@
                   </a:schemeClr>
                 </a:solidFill>
               </a:rPr>
-              <a:t>Project 1: What can we learn about COVID-19 trends to reduce death in a future pandemic?</a:t>
+              <a:t>Project 1: What can we learn about COVID-19 trends to reduce death rates in a future pandemic?</a:t>
             </a:r>
           </a:p>
           <a:p>
@@ -23823,7 +23823,7 @@
             </a:pPr>
             <a:r>
               <a:rPr lang="en-US" sz="1600" dirty="0"/>
-              <a:t>The CSV dataset was pulled from the worldometers.info website </a:t>
+              <a:t>The CSV dataset was pulled from the worldometers.info website and made available at kaggle.com</a:t>
             </a:r>
           </a:p>
           <a:p>
@@ -23833,7 +23833,7 @@
             </a:pPr>
             <a:r>
               <a:rPr lang="en-US" sz="1600" dirty="0"/>
-              <a:t>Included is daily data for 255 countries on case counts and death counts</a:t>
+              <a:t>Included is daily data for 225 countries on case counts and death counts</a:t>
             </a:r>
           </a:p>
           <a:p>
@@ -23844,9 +23844,6 @@
               <a:rPr lang="en-US" sz="1600" b="1" dirty="0"/>
               <a:t>Aims</a:t>
             </a:r>
-          </a:p>
-          <a:p>
-            <a:endParaRPr lang="en-US" sz="1600" b="1" dirty="0"/>
           </a:p>
           <a:p>
             <a:pPr marL="285750" indent="-285750">
